--- a/lectures/040_operators/Conversions-Casting-Operators.pptx
+++ b/lectures/040_operators/Conversions-Casting-Operators.pptx
@@ -2853,7 +2853,7 @@
           <a:p>
             <a:fld id="{2507D560-C4D4-4804-8CBF-2C56AB6C6DB9}" type="datetimeFigureOut">
               <a:rPr lang="en-US" smtClean="0"/>
-              <a:t>5/25/2021</a:t>
+              <a:t>8/16/2021</a:t>
             </a:fld>
             <a:endParaRPr lang="en-US"/>
           </a:p>
@@ -3018,7 +3018,7 @@
           <a:p>
             <a:fld id="{688E7586-9A7B-41FF-B169-85DADA744493}" type="datetimeFigureOut">
               <a:rPr lang="en-US" smtClean="0"/>
-              <a:t>5/25/2021</a:t>
+              <a:t>8/16/2021</a:t>
             </a:fld>
             <a:endParaRPr lang="en-US"/>
           </a:p>
@@ -6646,8 +6646,8 @@
           </a:p>
           <a:p>
             <a:r>
-              <a:rPr lang="en-US" dirty="0"/>
-              <a:t>Spring </a:t>
+              <a:rPr lang="en-US" smtClean="0"/>
+              <a:t>Spring/Fall </a:t>
             </a:r>
             <a:r>
               <a:rPr lang="en-US" dirty="0" smtClean="0"/>
@@ -9079,7 +9079,6 @@
               <a:rPr lang="en-US" dirty="0" smtClean="0"/>
               <a:t>Operators</a:t>
             </a:r>
-            <a:endParaRPr lang="en-US" dirty="0" smtClean="0"/>
           </a:p>
           <a:p>
             <a:r>
@@ -14777,7 +14776,6 @@
               <a:rPr lang="en-US" dirty="0" smtClean="0"/>
               <a:t>Operators</a:t>
             </a:r>
-            <a:endParaRPr lang="en-US" dirty="0" smtClean="0"/>
           </a:p>
           <a:p>
             <a:r>
@@ -24285,7 +24283,6 @@
               <a:rPr lang="en-US" dirty="0" smtClean="0"/>
               <a:t>Operators</a:t>
             </a:r>
-            <a:endParaRPr lang="en-US" dirty="0" smtClean="0"/>
           </a:p>
           <a:p>
             <a:r>
@@ -28383,7 +28380,6 @@
               <a:rPr lang="en-US" dirty="0" smtClean="0"/>
               <a:t>Operators</a:t>
             </a:r>
-            <a:endParaRPr lang="en-US" dirty="0" smtClean="0"/>
           </a:p>
           <a:p>
             <a:r>
